--- a/LY_sem7_BCI.pptx
+++ b/LY_sem7_BCI.pptx
@@ -14928,7 +14928,7 @@
         <p:spPr>
           <a:xfrm>
             <a:off x="4710295" y="5264149"/>
-            <a:ext cx="4006108" cy="338514"/>
+            <a:ext cx="4006108" cy="1692731"/>
           </a:xfrm>
           <a:prstGeom prst="rect">
             <a:avLst/>
@@ -14970,6 +14970,38 @@
               </a:rPr>
               <a:t>Proposed Solution</a:t>
             </a:r>
+          </a:p>
+          <a:p>
+            <a:pPr algn="just"/>
+            <a:r>
+              <a:rPr kumimoji="0" lang="en-US" altLang="en-US" sz="1200" b="0" i="0" u="none" strike="noStrike" cap="none" normalizeH="0" baseline="0" dirty="0">
+                <a:ln>
+                  <a:noFill/>
+                </a:ln>
+                <a:solidFill>
+                  <a:schemeClr val="tx1"/>
+                </a:solidFill>
+                <a:effectLst/>
+                <a:latin typeface="Calibri" panose="020F0502020204030204" pitchFamily="34" charset="0"/>
+                <a:ea typeface="Calibri" panose="020F0502020204030204" pitchFamily="34" charset="0"/>
+                <a:cs typeface="Calibri" panose="020F0502020204030204" pitchFamily="34" charset="0"/>
+              </a:rPr>
+              <a:t>Provide an EEG-based Brain-Computer Interface (BCI) that reads brain signals to enable people with disabilities to carry out everyday tasks. Adaptive algorithms will be used by this BCI to continuously learn from and adjust to each user's distinct brain patterns, increasing accuracy and efficiency over time.</a:t>
+            </a:r>
+          </a:p>
+          <a:p>
+            <a:pPr marL="0" marR="0" lvl="0" indent="0" algn="ctr" rtl="0">
+              <a:lnSpc>
+                <a:spcPct val="100000"/>
+              </a:lnSpc>
+              <a:spcBef>
+                <a:spcPts val="0"/>
+              </a:spcBef>
+              <a:spcAft>
+                <a:spcPts val="0"/>
+              </a:spcAft>
+              <a:buNone/>
+            </a:pPr>
             <a:endParaRPr sz="1600" b="1" i="0" u="none" strike="noStrike" cap="none" dirty="0">
               <a:solidFill>
                 <a:schemeClr val="dk1"/>
@@ -14987,7 +15019,7 @@
         <p:spPr>
           <a:xfrm>
             <a:off x="8835628" y="5264149"/>
-            <a:ext cx="3256500" cy="338514"/>
+            <a:ext cx="3256500" cy="1815841"/>
           </a:xfrm>
           <a:prstGeom prst="rect">
             <a:avLst/>
@@ -15029,7 +15061,67 @@
               </a:rPr>
               <a:t>Scope and Feasibility</a:t>
             </a:r>
-            <a:endParaRPr sz="1600" b="1" dirty="0"/>
+          </a:p>
+          <a:p>
+            <a:pPr algn="just"/>
+            <a:r>
+              <a:rPr lang="en-IN" sz="1200" dirty="0">
+                <a:latin typeface="Calibri" panose="020F0502020204030204" pitchFamily="34" charset="0"/>
+                <a:ea typeface="Calibri" panose="020F0502020204030204" pitchFamily="34" charset="0"/>
+                <a:cs typeface="Calibri" panose="020F0502020204030204" pitchFamily="34" charset="0"/>
+              </a:rPr>
+              <a:t>Cloud-based shared learning can be utilised which is both </a:t>
+            </a:r>
+            <a:r>
+              <a:rPr lang="en-IN" sz="1200" dirty="0" err="1">
+                <a:latin typeface="Calibri" panose="020F0502020204030204" pitchFamily="34" charset="0"/>
+                <a:ea typeface="Calibri" panose="020F0502020204030204" pitchFamily="34" charset="0"/>
+                <a:cs typeface="Calibri" panose="020F0502020204030204" pitchFamily="34" charset="0"/>
+              </a:rPr>
+              <a:t>scaleable</a:t>
+            </a:r>
+            <a:r>
+              <a:rPr lang="en-IN" sz="1200" dirty="0">
+                <a:latin typeface="Calibri" panose="020F0502020204030204" pitchFamily="34" charset="0"/>
+                <a:ea typeface="Calibri" panose="020F0502020204030204" pitchFamily="34" charset="0"/>
+                <a:cs typeface="Calibri" panose="020F0502020204030204" pitchFamily="34" charset="0"/>
+              </a:rPr>
+              <a:t> and workable, offering customised support and improving in accuracy over time. </a:t>
+            </a:r>
+            <a:r>
+              <a:rPr kumimoji="0" lang="en-US" altLang="en-US" sz="1200" b="0" i="0" u="none" strike="noStrike" cap="none" normalizeH="0" baseline="0" dirty="0">
+                <a:ln>
+                  <a:noFill/>
+                </a:ln>
+                <a:solidFill>
+                  <a:schemeClr val="tx1"/>
+                </a:solidFill>
+                <a:effectLst/>
+                <a:latin typeface="Calibri" panose="020F0502020204030204" pitchFamily="34" charset="0"/>
+                <a:ea typeface="Calibri" panose="020F0502020204030204" pitchFamily="34" charset="0"/>
+                <a:cs typeface="Calibri" panose="020F0502020204030204" pitchFamily="34" charset="0"/>
+              </a:rPr>
+              <a:t>Because the adaptive EEG-based BCI is constantly learning from the user's brain patterns, it allows impaired people to carry out everyday tasks independently.</a:t>
+            </a:r>
+          </a:p>
+          <a:p>
+            <a:pPr marL="0" marR="0" lvl="0" indent="0" algn="ctr" rtl="0">
+              <a:lnSpc>
+                <a:spcPct val="100000"/>
+              </a:lnSpc>
+              <a:spcBef>
+                <a:spcPts val="0"/>
+              </a:spcBef>
+              <a:spcAft>
+                <a:spcPts val="0"/>
+              </a:spcAft>
+              <a:buNone/>
+            </a:pPr>
+            <a:endParaRPr sz="1200" dirty="0">
+              <a:latin typeface="Calibri" panose="020F0502020204030204" pitchFamily="34" charset="0"/>
+              <a:ea typeface="Calibri" panose="020F0502020204030204" pitchFamily="34" charset="0"/>
+              <a:cs typeface="Calibri" panose="020F0502020204030204" pitchFamily="34" charset="0"/>
+            </a:endParaRPr>
           </a:p>
         </p:txBody>
       </p:sp>

--- a/LY_sem7_BCI.pptx
+++ b/LY_sem7_BCI.pptx
@@ -14356,7 +14356,7 @@
               <a:buSzPts val="2800"/>
             </a:pPr>
             <a:r>
-              <a:rPr lang="en-US" sz="2800" i="1" dirty="0">
+              <a:rPr lang="en-IN" sz="2800" i="1" dirty="0">
                 <a:solidFill>
                   <a:schemeClr val="lt1"/>
                 </a:solidFill>
@@ -14365,7 +14365,7 @@
                 <a:cs typeface="Calibri"/>
                 <a:sym typeface="Calibri"/>
               </a:rPr>
-              <a:t>BRAIN COMPUTER INTERFACE</a:t>
+              <a:t>BCI for Physically challenged People</a:t>
             </a:r>
             <a:endParaRPr sz="2800" i="1" dirty="0">
               <a:solidFill>
